--- a/IEC61850_7-1_4.pptx
+++ b/IEC61850_7-1_4.pptx
@@ -349,7 +349,7 @@
             <a:fld id="{207F23D9-DF40-4811-9C78-A2E2A32398DD}" type="datetimeFigureOut">
               <a:rPr lang="ko-KR" altLang="en-US" smtClean="0"/>
               <a:pPr/>
-              <a:t>2018-02-02</a:t>
+              <a:t>2018-02-10</a:t>
             </a:fld>
             <a:endParaRPr lang="ko-KR" altLang="en-US"/>
           </a:p>
@@ -516,7 +516,7 @@
             <a:fld id="{F3AF6795-A612-454E-AF7A-9192B1BEBB13}" type="datetimeFigureOut">
               <a:rPr lang="ko-KR" altLang="en-US" smtClean="0"/>
               <a:pPr/>
-              <a:t>2018-02-02</a:t>
+              <a:t>2018-02-10</a:t>
             </a:fld>
             <a:endParaRPr lang="ko-KR" altLang="en-US"/>
           </a:p>
@@ -3179,7 +3179,7 @@
           <a:p>
             <a:fld id="{4CE1C2CC-604C-4406-8CF9-71D7D66466B5}" type="datetime1">
               <a:rPr lang="ko-KR" altLang="en-US" smtClean="0"/>
-              <a:t>2018-02-02</a:t>
+              <a:t>2018-02-10</a:t>
             </a:fld>
             <a:endParaRPr lang="ko-KR" altLang="en-US"/>
           </a:p>
@@ -3923,7 +3923,7 @@
           <a:p>
             <a:fld id="{38BB9BF0-386A-48AE-AA5C-58ED83C40358}" type="datetime1">
               <a:rPr lang="ko-KR" altLang="en-US" smtClean="0"/>
-              <a:t>2018-02-02</a:t>
+              <a:t>2018-02-10</a:t>
             </a:fld>
             <a:endParaRPr lang="ko-KR" altLang="en-US"/>
           </a:p>
@@ -4234,7 +4234,7 @@
           <a:p>
             <a:fld id="{753C36C0-CE7B-4B90-B989-E979B327954B}" type="datetime1">
               <a:rPr lang="ko-KR" altLang="en-US" smtClean="0"/>
-              <a:t>2018-02-02</a:t>
+              <a:t>2018-02-10</a:t>
             </a:fld>
             <a:endParaRPr lang="ko-KR" altLang="en-US"/>
           </a:p>
@@ -4486,7 +4486,7 @@
           <a:p>
             <a:fld id="{2F71A39E-4E25-4D66-9480-0C3FC7BD5839}" type="datetime1">
               <a:rPr lang="ko-KR" altLang="en-US" smtClean="0"/>
-              <a:t>2018-02-02</a:t>
+              <a:t>2018-02-10</a:t>
             </a:fld>
             <a:endParaRPr lang="ko-KR" altLang="en-US"/>
           </a:p>
@@ -4709,7 +4709,7 @@
           <a:p>
             <a:fld id="{4F4F720B-388B-4B96-A046-D0674744111C}" type="datetime1">
               <a:rPr lang="ko-KR" altLang="en-US" smtClean="0"/>
-              <a:t>2018-02-02</a:t>
+              <a:t>2018-02-10</a:t>
             </a:fld>
             <a:endParaRPr lang="ko-KR" altLang="en-US"/>
           </a:p>
@@ -4932,7 +4932,7 @@
           <a:p>
             <a:fld id="{B9E2F7A9-9E06-4FE8-9BC0-A77CABEBD58B}" type="datetime1">
               <a:rPr lang="ko-KR" altLang="en-US" smtClean="0"/>
-              <a:t>2018-02-02</a:t>
+              <a:t>2018-02-10</a:t>
             </a:fld>
             <a:endParaRPr lang="ko-KR" altLang="en-US"/>
           </a:p>
@@ -9023,10 +9023,7 @@
               <a:rPr lang="ko-KR" altLang="en-US" dirty="0"/>
               <a:t>모델은 다음과 같은 것들을 제공한다</a:t>
             </a:r>
-            <a:r>
-              <a:rPr lang="en-US" altLang="ko-KR" dirty="0"/>
-              <a:t>.</a:t>
-            </a:r>
+            <a:endParaRPr lang="en-US" altLang="ko-KR" dirty="0"/>
           </a:p>
           <a:p>
             <a:pPr marL="285750" indent="-285750">
